--- a/rmarkdown_pres.pptx
+++ b/rmarkdown_pres.pptx
@@ -272,7 +272,7 @@
           <a:p>
             <a:fld id="{9AFFF6BE-A819-4CD0-B1B8-631E75667E3F}" type="datetimeFigureOut">
               <a:rPr lang="en-GB" smtClean="0"/>
-              <a:t>23/02/2021</a:t>
+              <a:t>29/10/2022</a:t>
             </a:fld>
             <a:endParaRPr lang="en-GB"/>
           </a:p>
@@ -449,7 +449,7 @@
           <a:p>
             <a:fld id="{A09D4936-6FA4-4161-9530-A643D9D48A5E}" type="datetimeFigureOut">
               <a:rPr lang="en-GB" smtClean="0"/>
-              <a:t>23/02/2021</a:t>
+              <a:t>29/10/2022</a:t>
             </a:fld>
             <a:endParaRPr lang="en-GB"/>
           </a:p>
@@ -3834,7 +3834,7 @@
             <a:fld id="{FE5EC8D0-1F95-481B-AC0C-2A92D5B0D2AD}" type="datetimeFigureOut">
               <a:rPr lang="en-GB" smtClean="0"/>
               <a:pPr/>
-              <a:t>23/02/2021</a:t>
+              <a:t>29/10/2022</a:t>
             </a:fld>
             <a:endParaRPr lang="en-GB"/>
           </a:p>
@@ -4021,7 +4021,7 @@
           <a:p>
             <a:fld id="{FE5EC8D0-1F95-481B-AC0C-2A92D5B0D2AD}" type="datetimeFigureOut">
               <a:rPr lang="en-GB" smtClean="0"/>
-              <a:t>23/02/2021</a:t>
+              <a:t>29/10/2022</a:t>
             </a:fld>
             <a:endParaRPr lang="en-GB"/>
           </a:p>
@@ -4201,7 +4201,7 @@
           <a:p>
             <a:fld id="{FE5EC8D0-1F95-481B-AC0C-2A92D5B0D2AD}" type="datetimeFigureOut">
               <a:rPr lang="en-GB" smtClean="0"/>
-              <a:t>23/02/2021</a:t>
+              <a:t>29/10/2022</a:t>
             </a:fld>
             <a:endParaRPr lang="en-GB"/>
           </a:p>
@@ -4381,7 +4381,7 @@
           <a:p>
             <a:fld id="{FE5EC8D0-1F95-481B-AC0C-2A92D5B0D2AD}" type="datetimeFigureOut">
               <a:rPr lang="en-GB" smtClean="0"/>
-              <a:t>23/02/2021</a:t>
+              <a:t>29/10/2022</a:t>
             </a:fld>
             <a:endParaRPr lang="en-GB"/>
           </a:p>
@@ -4631,7 +4631,7 @@
           <a:p>
             <a:fld id="{FE5EC8D0-1F95-481B-AC0C-2A92D5B0D2AD}" type="datetimeFigureOut">
               <a:rPr lang="en-GB" smtClean="0"/>
-              <a:t>23/02/2021</a:t>
+              <a:t>29/10/2022</a:t>
             </a:fld>
             <a:endParaRPr lang="en-GB"/>
           </a:p>
@@ -4871,7 +4871,7 @@
           <a:p>
             <a:fld id="{FE5EC8D0-1F95-481B-AC0C-2A92D5B0D2AD}" type="datetimeFigureOut">
               <a:rPr lang="en-GB" smtClean="0"/>
-              <a:t>23/02/2021</a:t>
+              <a:t>29/10/2022</a:t>
             </a:fld>
             <a:endParaRPr lang="en-GB"/>
           </a:p>
@@ -5254,7 +5254,7 @@
           <a:p>
             <a:fld id="{FE5EC8D0-1F95-481B-AC0C-2A92D5B0D2AD}" type="datetimeFigureOut">
               <a:rPr lang="en-GB" smtClean="0"/>
-              <a:t>23/02/2021</a:t>
+              <a:t>29/10/2022</a:t>
             </a:fld>
             <a:endParaRPr lang="en-GB"/>
           </a:p>
@@ -5380,7 +5380,7 @@
           <a:p>
             <a:fld id="{FE5EC8D0-1F95-481B-AC0C-2A92D5B0D2AD}" type="datetimeFigureOut">
               <a:rPr lang="en-GB" smtClean="0"/>
-              <a:t>23/02/2021</a:t>
+              <a:t>29/10/2022</a:t>
             </a:fld>
             <a:endParaRPr lang="en-GB"/>
           </a:p>
@@ -5475,7 +5475,7 @@
           <a:p>
             <a:fld id="{FE5EC8D0-1F95-481B-AC0C-2A92D5B0D2AD}" type="datetimeFigureOut">
               <a:rPr lang="en-GB" smtClean="0"/>
-              <a:t>23/02/2021</a:t>
+              <a:t>29/10/2022</a:t>
             </a:fld>
             <a:endParaRPr lang="en-GB"/>
           </a:p>
@@ -5752,7 +5752,7 @@
           <a:p>
             <a:fld id="{FE5EC8D0-1F95-481B-AC0C-2A92D5B0D2AD}" type="datetimeFigureOut">
               <a:rPr lang="en-GB" smtClean="0"/>
-              <a:t>23/02/2021</a:t>
+              <a:t>29/10/2022</a:t>
             </a:fld>
             <a:endParaRPr lang="en-GB"/>
           </a:p>
@@ -6009,7 +6009,7 @@
           <a:p>
             <a:fld id="{FE5EC8D0-1F95-481B-AC0C-2A92D5B0D2AD}" type="datetimeFigureOut">
               <a:rPr lang="en-GB" smtClean="0"/>
-              <a:t>23/02/2021</a:t>
+              <a:t>29/10/2022</a:t>
             </a:fld>
             <a:endParaRPr lang="en-GB"/>
           </a:p>
@@ -6222,7 +6222,7 @@
           <a:p>
             <a:fld id="{FE5EC8D0-1F95-481B-AC0C-2A92D5B0D2AD}" type="datetimeFigureOut">
               <a:rPr lang="en-GB" smtClean="0"/>
-              <a:t>23/02/2021</a:t>
+              <a:t>29/10/2022</a:t>
             </a:fld>
             <a:endParaRPr lang="en-GB"/>
           </a:p>
@@ -6657,25 +6657,7 @@
           <a:p>
             <a:r>
               <a:rPr lang="en-GB" dirty="0"/>
-              <a:t>Data wrangling &amp; reproducible reports with </a:t>
-            </a:r>
-            <a:r>
-              <a:rPr lang="en-GB" dirty="0" err="1"/>
-              <a:t>tidyverse</a:t>
-            </a:r>
-            <a:r>
-              <a:rPr lang="en-GB" dirty="0"/>
-              <a:t> and R-Markdown</a:t>
-            </a:r>
-            <a:br>
-              <a:rPr lang="en-GB" dirty="0"/>
-            </a:br>
-            <a:br>
-              <a:rPr lang="en-GB" dirty="0"/>
-            </a:br>
-            <a:r>
-              <a:rPr lang="en-GB" dirty="0"/>
-              <a:t>Introduction to R-Markdown</a:t>
+              <a:t>Introduction to R Studio and R-Markdown</a:t>
             </a:r>
           </a:p>
         </p:txBody>
@@ -6699,7 +6681,7 @@
         <p:spPr/>
         <p:txBody>
           <a:bodyPr>
-            <a:normAutofit fontScale="77500" lnSpcReduction="20000"/>
+            <a:normAutofit/>
           </a:bodyPr>
           <a:lstStyle/>
           <a:p>
@@ -6709,24 +6691,12 @@
             </a:r>
           </a:p>
           <a:p>
+            <a:endParaRPr lang="en-GB" dirty="0"/>
+          </a:p>
+          <a:p>
             <a:r>
               <a:rPr lang="en-GB" dirty="0"/>
-              <a:t>Digital Humanities Lab </a:t>
-            </a:r>
-          </a:p>
-          <a:p>
-            <a:r>
-              <a:rPr lang="en-GB" dirty="0"/>
-              <a:t>University of Basel</a:t>
-            </a:r>
-          </a:p>
-          <a:p>
-            <a:endParaRPr lang="en-GB" dirty="0"/>
-          </a:p>
-          <a:p>
-            <a:r>
-              <a:rPr lang="en-GB" dirty="0"/>
-              <a:t>February 23, 2021</a:t>
+              <a:t>November 21, 2022</a:t>
             </a:r>
           </a:p>
           <a:p>
@@ -7651,7 +7621,7 @@
           <a:p>
             <a:r>
               <a:rPr lang="de-DE" dirty="0"/>
-              <a:t>And now... Practice! Please be back in ~15 minutes </a:t>
+              <a:t>And now... Practice!</a:t>
             </a:r>
             <a:endParaRPr lang="en-GB" dirty="0"/>
           </a:p>
@@ -11622,8 +11592,8 @@
         </p:blipFill>
         <p:spPr>
           <a:xfrm>
-            <a:off x="7572333" y="2206635"/>
-            <a:ext cx="2555590" cy="2846371"/>
+            <a:off x="7332882" y="1380318"/>
+            <a:ext cx="3197875" cy="3561737"/>
           </a:xfrm>
         </p:spPr>
       </p:pic>
@@ -11655,8 +11625,8 @@
         </p:blipFill>
         <p:spPr>
           <a:xfrm>
-            <a:off x="2211231" y="675017"/>
-            <a:ext cx="3563331" cy="1772816"/>
+            <a:off x="926275" y="481282"/>
+            <a:ext cx="4848288" cy="2412103"/>
           </a:xfrm>
           <a:prstGeom prst="rect">
             <a:avLst/>
@@ -11691,8 +11661,8 @@
         </p:blipFill>
         <p:spPr>
           <a:xfrm>
-            <a:off x="2517145" y="2536811"/>
-            <a:ext cx="2455355" cy="2186018"/>
+            <a:off x="1135691" y="2944624"/>
+            <a:ext cx="3072448" cy="2735420"/>
           </a:xfrm>
           <a:prstGeom prst="rect">
             <a:avLst/>
@@ -11819,8 +11789,8 @@
         </p:blipFill>
         <p:spPr>
           <a:xfrm>
-            <a:off x="5059545" y="4609708"/>
-            <a:ext cx="1710726" cy="1710726"/>
+            <a:off x="4629596" y="4609707"/>
+            <a:ext cx="2140675" cy="2140675"/>
           </a:xfrm>
           <a:prstGeom prst="rect">
             <a:avLst/>

--- a/rmarkdown_pres.pptx
+++ b/rmarkdown_pres.pptx
@@ -272,7 +272,7 @@
           <a:p>
             <a:fld id="{9AFFF6BE-A819-4CD0-B1B8-631E75667E3F}" type="datetimeFigureOut">
               <a:rPr lang="en-GB" smtClean="0"/>
-              <a:t>29/10/2022</a:t>
+              <a:t>31/10/2022</a:t>
             </a:fld>
             <a:endParaRPr lang="en-GB"/>
           </a:p>
@@ -449,7 +449,7 @@
           <a:p>
             <a:fld id="{A09D4936-6FA4-4161-9530-A643D9D48A5E}" type="datetimeFigureOut">
               <a:rPr lang="en-GB" smtClean="0"/>
-              <a:t>29/10/2022</a:t>
+              <a:t>31/10/2022</a:t>
             </a:fld>
             <a:endParaRPr lang="en-GB"/>
           </a:p>
@@ -3834,7 +3834,7 @@
             <a:fld id="{FE5EC8D0-1F95-481B-AC0C-2A92D5B0D2AD}" type="datetimeFigureOut">
               <a:rPr lang="en-GB" smtClean="0"/>
               <a:pPr/>
-              <a:t>29/10/2022</a:t>
+              <a:t>31/10/2022</a:t>
             </a:fld>
             <a:endParaRPr lang="en-GB"/>
           </a:p>
@@ -4021,7 +4021,7 @@
           <a:p>
             <a:fld id="{FE5EC8D0-1F95-481B-AC0C-2A92D5B0D2AD}" type="datetimeFigureOut">
               <a:rPr lang="en-GB" smtClean="0"/>
-              <a:t>29/10/2022</a:t>
+              <a:t>31/10/2022</a:t>
             </a:fld>
             <a:endParaRPr lang="en-GB"/>
           </a:p>
@@ -4201,7 +4201,7 @@
           <a:p>
             <a:fld id="{FE5EC8D0-1F95-481B-AC0C-2A92D5B0D2AD}" type="datetimeFigureOut">
               <a:rPr lang="en-GB" smtClean="0"/>
-              <a:t>29/10/2022</a:t>
+              <a:t>31/10/2022</a:t>
             </a:fld>
             <a:endParaRPr lang="en-GB"/>
           </a:p>
@@ -4381,7 +4381,7 @@
           <a:p>
             <a:fld id="{FE5EC8D0-1F95-481B-AC0C-2A92D5B0D2AD}" type="datetimeFigureOut">
               <a:rPr lang="en-GB" smtClean="0"/>
-              <a:t>29/10/2022</a:t>
+              <a:t>31/10/2022</a:t>
             </a:fld>
             <a:endParaRPr lang="en-GB"/>
           </a:p>
@@ -4631,7 +4631,7 @@
           <a:p>
             <a:fld id="{FE5EC8D0-1F95-481B-AC0C-2A92D5B0D2AD}" type="datetimeFigureOut">
               <a:rPr lang="en-GB" smtClean="0"/>
-              <a:t>29/10/2022</a:t>
+              <a:t>31/10/2022</a:t>
             </a:fld>
             <a:endParaRPr lang="en-GB"/>
           </a:p>
@@ -4871,7 +4871,7 @@
           <a:p>
             <a:fld id="{FE5EC8D0-1F95-481B-AC0C-2A92D5B0D2AD}" type="datetimeFigureOut">
               <a:rPr lang="en-GB" smtClean="0"/>
-              <a:t>29/10/2022</a:t>
+              <a:t>31/10/2022</a:t>
             </a:fld>
             <a:endParaRPr lang="en-GB"/>
           </a:p>
@@ -5254,7 +5254,7 @@
           <a:p>
             <a:fld id="{FE5EC8D0-1F95-481B-AC0C-2A92D5B0D2AD}" type="datetimeFigureOut">
               <a:rPr lang="en-GB" smtClean="0"/>
-              <a:t>29/10/2022</a:t>
+              <a:t>31/10/2022</a:t>
             </a:fld>
             <a:endParaRPr lang="en-GB"/>
           </a:p>
@@ -5380,7 +5380,7 @@
           <a:p>
             <a:fld id="{FE5EC8D0-1F95-481B-AC0C-2A92D5B0D2AD}" type="datetimeFigureOut">
               <a:rPr lang="en-GB" smtClean="0"/>
-              <a:t>29/10/2022</a:t>
+              <a:t>31/10/2022</a:t>
             </a:fld>
             <a:endParaRPr lang="en-GB"/>
           </a:p>
@@ -5475,7 +5475,7 @@
           <a:p>
             <a:fld id="{FE5EC8D0-1F95-481B-AC0C-2A92D5B0D2AD}" type="datetimeFigureOut">
               <a:rPr lang="en-GB" smtClean="0"/>
-              <a:t>29/10/2022</a:t>
+              <a:t>31/10/2022</a:t>
             </a:fld>
             <a:endParaRPr lang="en-GB"/>
           </a:p>
@@ -5752,7 +5752,7 @@
           <a:p>
             <a:fld id="{FE5EC8D0-1F95-481B-AC0C-2A92D5B0D2AD}" type="datetimeFigureOut">
               <a:rPr lang="en-GB" smtClean="0"/>
-              <a:t>29/10/2022</a:t>
+              <a:t>31/10/2022</a:t>
             </a:fld>
             <a:endParaRPr lang="en-GB"/>
           </a:p>
@@ -6009,7 +6009,7 @@
           <a:p>
             <a:fld id="{FE5EC8D0-1F95-481B-AC0C-2A92D5B0D2AD}" type="datetimeFigureOut">
               <a:rPr lang="en-GB" smtClean="0"/>
-              <a:t>29/10/2022</a:t>
+              <a:t>31/10/2022</a:t>
             </a:fld>
             <a:endParaRPr lang="en-GB"/>
           </a:p>
@@ -6222,7 +6222,7 @@
           <a:p>
             <a:fld id="{FE5EC8D0-1F95-481B-AC0C-2A92D5B0D2AD}" type="datetimeFigureOut">
               <a:rPr lang="en-GB" smtClean="0"/>
-              <a:t>29/10/2022</a:t>
+              <a:t>31/10/2022</a:t>
             </a:fld>
             <a:endParaRPr lang="en-GB"/>
           </a:p>
@@ -6645,7 +6645,7 @@
         </p:nvSpPr>
         <p:spPr>
           <a:xfrm>
-            <a:off x="2209800" y="1122364"/>
+            <a:off x="2209800" y="801734"/>
             <a:ext cx="7772400" cy="2223003"/>
           </a:xfrm>
         </p:spPr>
@@ -6657,7 +6657,14 @@
           <a:p>
             <a:r>
               <a:rPr lang="en-GB" dirty="0"/>
-              <a:t>Introduction to R Studio and R-Markdown</a:t>
+              <a:t>Introduction to R Studio and </a:t>
+            </a:r>
+            <a:br>
+              <a:rPr lang="en-GB" dirty="0"/>
+            </a:br>
+            <a:r>
+              <a:rPr lang="en-GB" dirty="0"/>
+              <a:t>R-Markdown</a:t>
             </a:r>
           </a:p>
         </p:txBody>
@@ -6678,16 +6685,27 @@
             <p:ph type="subTitle" idx="1"/>
           </p:nvPr>
         </p:nvSpPr>
-        <p:spPr/>
+        <p:spPr>
+          <a:xfrm>
+            <a:off x="1524000" y="3400159"/>
+            <a:ext cx="9144000" cy="1655762"/>
+          </a:xfrm>
+        </p:spPr>
         <p:txBody>
           <a:bodyPr>
-            <a:normAutofit/>
+            <a:normAutofit lnSpcReduction="10000"/>
           </a:bodyPr>
           <a:lstStyle/>
           <a:p>
             <a:r>
               <a:rPr lang="en-GB" dirty="0"/>
-              <a:t>Giulia Grisot, PhD </a:t>
+              <a:t>Giulia Grisot, PhD</a:t>
+            </a:r>
+          </a:p>
+          <a:p>
+            <a:r>
+              <a:rPr lang="en-GB" sz="2000" dirty="0"/>
+              <a:t>CDH Methods Fellow and a Visiting Scholar</a:t>
             </a:r>
           </a:p>
           <a:p>
